--- a/assets/docs/C2_final.pptx
+++ b/assets/docs/C2_final.pptx
@@ -141,7 +141,7 @@
   </p:defaultTextStyle>
   <p:extLst>
     <p:ext uri="{EFAFB233-063F-42B5-8137-9DF3F51BA10A}">
-      <p15:sldGuideLst xmlns:p15="http://schemas.microsoft.com/office/powerpoint/2012/main" xmlns="">
+      <p15:sldGuideLst xmlns:p15="http://schemas.microsoft.com/office/powerpoint/2012/main">
         <p15:guide id="1" orient="horz" pos="2160">
           <p15:clr>
             <a:srgbClr val="A4A3A4"/>
@@ -217,6 +217,23 @@
         </a:ln>
         <a:effectLst/>
       </c:spPr>
+      <c:txPr>
+        <a:bodyPr rot="0" spcFirstLastPara="1" vertOverflow="ellipsis" vert="horz" wrap="square" anchor="ctr" anchorCtr="1"/>
+        <a:lstStyle/>
+        <a:p>
+          <a:pPr>
+            <a:defRPr sz="1862" b="0" i="0" u="none" strike="noStrike" kern="1200" spc="0" baseline="0">
+              <a:solidFill>
+                <a:schemeClr val="bg1"/>
+              </a:solidFill>
+              <a:latin typeface="Arial" panose="020B0604020202020204" pitchFamily="34" charset="0"/>
+              <a:ea typeface="+mn-ea"/>
+              <a:cs typeface="Arial" panose="020B0604020202020204" pitchFamily="34" charset="0"/>
+            </a:defRPr>
+          </a:pPr>
+          <a:endParaRPr lang="en-US"/>
+        </a:p>
+      </c:txPr>
     </c:title>
     <c:autoTitleDeleted val="0"/>
     <c:plotArea>
@@ -257,184 +274,184 @@
                 <c:formatCode>General</c:formatCode>
                 <c:ptCount val="60"/>
                 <c:pt idx="0">
-                  <c:v>1</c:v>
+                  <c:v>1.0</c:v>
                 </c:pt>
                 <c:pt idx="1">
-                  <c:v>2</c:v>
+                  <c:v>2.0</c:v>
                 </c:pt>
                 <c:pt idx="2">
-                  <c:v>3</c:v>
+                  <c:v>3.0</c:v>
                 </c:pt>
                 <c:pt idx="3">
-                  <c:v>4</c:v>
+                  <c:v>4.0</c:v>
                 </c:pt>
                 <c:pt idx="4">
-                  <c:v>5</c:v>
+                  <c:v>5.0</c:v>
                 </c:pt>
                 <c:pt idx="5">
-                  <c:v>6</c:v>
+                  <c:v>6.0</c:v>
                 </c:pt>
                 <c:pt idx="6">
-                  <c:v>7</c:v>
+                  <c:v>7.0</c:v>
                 </c:pt>
                 <c:pt idx="7">
-                  <c:v>8</c:v>
+                  <c:v>8.0</c:v>
                 </c:pt>
                 <c:pt idx="8">
-                  <c:v>9</c:v>
+                  <c:v>9.0</c:v>
                 </c:pt>
                 <c:pt idx="9">
-                  <c:v>10</c:v>
+                  <c:v>10.0</c:v>
                 </c:pt>
                 <c:pt idx="10">
-                  <c:v>11</c:v>
+                  <c:v>11.0</c:v>
                 </c:pt>
                 <c:pt idx="11">
-                  <c:v>12</c:v>
+                  <c:v>12.0</c:v>
                 </c:pt>
                 <c:pt idx="12">
-                  <c:v>13</c:v>
+                  <c:v>13.0</c:v>
                 </c:pt>
                 <c:pt idx="13">
-                  <c:v>14</c:v>
+                  <c:v>14.0</c:v>
                 </c:pt>
                 <c:pt idx="14">
-                  <c:v>15</c:v>
+                  <c:v>15.0</c:v>
                 </c:pt>
                 <c:pt idx="15">
-                  <c:v>16</c:v>
+                  <c:v>16.0</c:v>
                 </c:pt>
                 <c:pt idx="16">
-                  <c:v>17</c:v>
+                  <c:v>17.0</c:v>
                 </c:pt>
                 <c:pt idx="17">
-                  <c:v>18</c:v>
+                  <c:v>18.0</c:v>
                 </c:pt>
                 <c:pt idx="18">
-                  <c:v>19</c:v>
+                  <c:v>19.0</c:v>
                 </c:pt>
                 <c:pt idx="19">
-                  <c:v>20</c:v>
+                  <c:v>20.0</c:v>
                 </c:pt>
                 <c:pt idx="20">
-                  <c:v>21</c:v>
+                  <c:v>21.0</c:v>
                 </c:pt>
                 <c:pt idx="21">
-                  <c:v>22</c:v>
+                  <c:v>22.0</c:v>
                 </c:pt>
                 <c:pt idx="22">
-                  <c:v>23</c:v>
+                  <c:v>23.0</c:v>
                 </c:pt>
                 <c:pt idx="23">
-                  <c:v>24</c:v>
+                  <c:v>24.0</c:v>
                 </c:pt>
                 <c:pt idx="24">
-                  <c:v>25</c:v>
+                  <c:v>25.0</c:v>
                 </c:pt>
                 <c:pt idx="25">
-                  <c:v>26</c:v>
+                  <c:v>26.0</c:v>
                 </c:pt>
                 <c:pt idx="26">
-                  <c:v>27</c:v>
+                  <c:v>27.0</c:v>
                 </c:pt>
                 <c:pt idx="27">
-                  <c:v>28</c:v>
+                  <c:v>28.0</c:v>
                 </c:pt>
                 <c:pt idx="28">
-                  <c:v>29</c:v>
+                  <c:v>29.0</c:v>
                 </c:pt>
                 <c:pt idx="29">
-                  <c:v>30</c:v>
+                  <c:v>30.0</c:v>
                 </c:pt>
                 <c:pt idx="30">
-                  <c:v>31</c:v>
+                  <c:v>31.0</c:v>
                 </c:pt>
                 <c:pt idx="31">
-                  <c:v>32</c:v>
+                  <c:v>32.0</c:v>
                 </c:pt>
                 <c:pt idx="32">
-                  <c:v>33</c:v>
+                  <c:v>33.0</c:v>
                 </c:pt>
                 <c:pt idx="33">
-                  <c:v>34</c:v>
+                  <c:v>34.0</c:v>
                 </c:pt>
                 <c:pt idx="34">
-                  <c:v>35</c:v>
+                  <c:v>35.0</c:v>
                 </c:pt>
                 <c:pt idx="35">
-                  <c:v>36</c:v>
+                  <c:v>36.0</c:v>
                 </c:pt>
                 <c:pt idx="36">
-                  <c:v>37</c:v>
+                  <c:v>37.0</c:v>
                 </c:pt>
                 <c:pt idx="37">
-                  <c:v>38</c:v>
+                  <c:v>38.0</c:v>
                 </c:pt>
                 <c:pt idx="38">
-                  <c:v>39</c:v>
+                  <c:v>39.0</c:v>
                 </c:pt>
                 <c:pt idx="39">
-                  <c:v>40</c:v>
+                  <c:v>40.0</c:v>
                 </c:pt>
                 <c:pt idx="40">
-                  <c:v>41</c:v>
+                  <c:v>41.0</c:v>
                 </c:pt>
                 <c:pt idx="41">
-                  <c:v>42</c:v>
+                  <c:v>42.0</c:v>
                 </c:pt>
                 <c:pt idx="42">
-                  <c:v>43</c:v>
+                  <c:v>43.0</c:v>
                 </c:pt>
                 <c:pt idx="43">
-                  <c:v>44</c:v>
+                  <c:v>44.0</c:v>
                 </c:pt>
                 <c:pt idx="44">
-                  <c:v>45</c:v>
+                  <c:v>45.0</c:v>
                 </c:pt>
                 <c:pt idx="45">
-                  <c:v>46</c:v>
+                  <c:v>46.0</c:v>
                 </c:pt>
                 <c:pt idx="46">
-                  <c:v>47</c:v>
+                  <c:v>47.0</c:v>
                 </c:pt>
                 <c:pt idx="47">
-                  <c:v>48</c:v>
+                  <c:v>48.0</c:v>
                 </c:pt>
                 <c:pt idx="48">
-                  <c:v>49</c:v>
+                  <c:v>49.0</c:v>
                 </c:pt>
                 <c:pt idx="49">
-                  <c:v>50</c:v>
+                  <c:v>50.0</c:v>
                 </c:pt>
                 <c:pt idx="50">
-                  <c:v>51</c:v>
+                  <c:v>51.0</c:v>
                 </c:pt>
                 <c:pt idx="51">
-                  <c:v>52</c:v>
+                  <c:v>52.0</c:v>
                 </c:pt>
                 <c:pt idx="52">
-                  <c:v>53</c:v>
+                  <c:v>53.0</c:v>
                 </c:pt>
                 <c:pt idx="53">
-                  <c:v>54</c:v>
+                  <c:v>54.0</c:v>
                 </c:pt>
                 <c:pt idx="54">
-                  <c:v>55</c:v>
+                  <c:v>55.0</c:v>
                 </c:pt>
                 <c:pt idx="55">
-                  <c:v>56</c:v>
+                  <c:v>56.0</c:v>
                 </c:pt>
                 <c:pt idx="56">
-                  <c:v>57</c:v>
+                  <c:v>57.0</c:v>
                 </c:pt>
                 <c:pt idx="57">
-                  <c:v>58</c:v>
+                  <c:v>58.0</c:v>
                 </c:pt>
                 <c:pt idx="58">
-                  <c:v>59</c:v>
+                  <c:v>59.0</c:v>
                 </c:pt>
                 <c:pt idx="59">
-                  <c:v>60</c:v>
+                  <c:v>60.0</c:v>
                 </c:pt>
               </c:numCache>
             </c:numRef>
@@ -452,76 +469,76 @@
                   <c:v>0.122</c:v>
                 </c:pt>
                 <c:pt idx="2">
-                  <c:v>0.16700000000000001</c:v>
+                  <c:v>0.167</c:v>
                 </c:pt>
                 <c:pt idx="3">
-                  <c:v>0.20799999999999999</c:v>
+                  <c:v>0.208</c:v>
                 </c:pt>
                 <c:pt idx="4">
                   <c:v>0.249</c:v>
                 </c:pt>
                 <c:pt idx="5">
-                  <c:v>0.28199999999999997</c:v>
+                  <c:v>0.282</c:v>
                 </c:pt>
                 <c:pt idx="6">
                   <c:v>0.315</c:v>
                 </c:pt>
                 <c:pt idx="7">
-                  <c:v>0.34300000000000003</c:v>
+                  <c:v>0.343</c:v>
                 </c:pt>
                 <c:pt idx="8">
-                  <c:v>0.36899999999999999</c:v>
+                  <c:v>0.369</c:v>
                 </c:pt>
                 <c:pt idx="9">
-                  <c:v>0.39200000000000002</c:v>
+                  <c:v>0.392</c:v>
                 </c:pt>
                 <c:pt idx="10">
-                  <c:v>0.41299999999999998</c:v>
+                  <c:v>0.413</c:v>
                 </c:pt>
                 <c:pt idx="11">
                   <c:v>0.434</c:v>
                 </c:pt>
                 <c:pt idx="12">
-                  <c:v>0.45300000000000001</c:v>
+                  <c:v>0.453</c:v>
                 </c:pt>
                 <c:pt idx="13">
-                  <c:v>0.47099999999999997</c:v>
+                  <c:v>0.471</c:v>
                 </c:pt>
                 <c:pt idx="14">
-                  <c:v>0.48699999999999999</c:v>
+                  <c:v>0.487</c:v>
                 </c:pt>
                 <c:pt idx="15">
                   <c:v>0.502</c:v>
                 </c:pt>
                 <c:pt idx="16">
-                  <c:v>0.51500000000000001</c:v>
+                  <c:v>0.515</c:v>
                 </c:pt>
                 <c:pt idx="17">
                   <c:v>0.53</c:v>
                 </c:pt>
                 <c:pt idx="18">
-                  <c:v>0.54200000000000004</c:v>
+                  <c:v>0.542</c:v>
                 </c:pt>
                 <c:pt idx="19">
-                  <c:v>0.55400000000000005</c:v>
+                  <c:v>0.554</c:v>
                 </c:pt>
                 <c:pt idx="20">
-                  <c:v>0.56499999999999995</c:v>
+                  <c:v>0.565</c:v>
                 </c:pt>
                 <c:pt idx="21">
-                  <c:v>0.57499999999999996</c:v>
+                  <c:v>0.575</c:v>
                 </c:pt>
                 <c:pt idx="22">
-                  <c:v>0.58599999999999997</c:v>
+                  <c:v>0.586</c:v>
                 </c:pt>
                 <c:pt idx="23">
-                  <c:v>0.59499999999999997</c:v>
+                  <c:v>0.595</c:v>
                 </c:pt>
                 <c:pt idx="24">
-                  <c:v>0.60399999999999998</c:v>
+                  <c:v>0.604</c:v>
                 </c:pt>
                 <c:pt idx="25">
-                  <c:v>0.61199999999999999</c:v>
+                  <c:v>0.612</c:v>
                 </c:pt>
                 <c:pt idx="26">
                   <c:v>0.621</c:v>
@@ -530,76 +547,76 @@
                   <c:v>0.629</c:v>
                 </c:pt>
                 <c:pt idx="28">
-                  <c:v>0.63700000000000001</c:v>
+                  <c:v>0.637</c:v>
                 </c:pt>
                 <c:pt idx="29">
-                  <c:v>0.64300000000000002</c:v>
+                  <c:v>0.643</c:v>
                 </c:pt>
                 <c:pt idx="30">
                   <c:v>0.65</c:v>
                 </c:pt>
                 <c:pt idx="31">
-                  <c:v>0.65600000000000003</c:v>
+                  <c:v>0.656</c:v>
                 </c:pt>
                 <c:pt idx="32">
-                  <c:v>0.66200000000000003</c:v>
+                  <c:v>0.662</c:v>
                 </c:pt>
                 <c:pt idx="33">
-                  <c:v>0.66800000000000004</c:v>
+                  <c:v>0.668</c:v>
                 </c:pt>
                 <c:pt idx="34">
-                  <c:v>0.67300000000000004</c:v>
+                  <c:v>0.673</c:v>
                 </c:pt>
                 <c:pt idx="35">
-                  <c:v>0.67800000000000005</c:v>
+                  <c:v>0.678</c:v>
                 </c:pt>
                 <c:pt idx="36">
-                  <c:v>0.68300000000000005</c:v>
+                  <c:v>0.683</c:v>
                 </c:pt>
                 <c:pt idx="37">
-                  <c:v>0.68899999999999995</c:v>
+                  <c:v>0.689</c:v>
                 </c:pt>
                 <c:pt idx="38">
-                  <c:v>0.69299999999999995</c:v>
+                  <c:v>0.693</c:v>
                 </c:pt>
                 <c:pt idx="39">
-                  <c:v>0.69799999999999995</c:v>
+                  <c:v>0.698</c:v>
                 </c:pt>
                 <c:pt idx="40">
-                  <c:v>0.70199999999999996</c:v>
+                  <c:v>0.702</c:v>
                 </c:pt>
                 <c:pt idx="41">
-                  <c:v>0.70599999999999996</c:v>
+                  <c:v>0.706</c:v>
                 </c:pt>
                 <c:pt idx="42">
-                  <c:v>0.71099999999999997</c:v>
+                  <c:v>0.711</c:v>
                 </c:pt>
                 <c:pt idx="43">
-                  <c:v>0.71499999999999997</c:v>
+                  <c:v>0.715</c:v>
                 </c:pt>
                 <c:pt idx="44">
-                  <c:v>0.71899999999999997</c:v>
+                  <c:v>0.719</c:v>
                 </c:pt>
                 <c:pt idx="45">
-                  <c:v>0.72299999999999998</c:v>
+                  <c:v>0.723</c:v>
                 </c:pt>
                 <c:pt idx="46">
-                  <c:v>0.72699999999999998</c:v>
+                  <c:v>0.727</c:v>
                 </c:pt>
                 <c:pt idx="47">
                   <c:v>0.73</c:v>
                 </c:pt>
                 <c:pt idx="48">
-                  <c:v>0.73299999999999998</c:v>
+                  <c:v>0.733</c:v>
                 </c:pt>
                 <c:pt idx="49">
-                  <c:v>0.73599999999999999</c:v>
+                  <c:v>0.736</c:v>
                 </c:pt>
                 <c:pt idx="50">
-                  <c:v>0.73899999999999999</c:v>
+                  <c:v>0.739</c:v>
                 </c:pt>
                 <c:pt idx="51">
-                  <c:v>0.74299999999999999</c:v>
+                  <c:v>0.743</c:v>
                 </c:pt>
                 <c:pt idx="52">
                   <c:v>0.747</c:v>
@@ -611,19 +628,19 @@
                   <c:v>0.753</c:v>
                 </c:pt>
                 <c:pt idx="55">
-                  <c:v>0.75600000000000001</c:v>
+                  <c:v>0.756</c:v>
                 </c:pt>
                 <c:pt idx="56">
-                  <c:v>0.75800000000000001</c:v>
+                  <c:v>0.758</c:v>
                 </c:pt>
                 <c:pt idx="57">
-                  <c:v>0.76100000000000001</c:v>
+                  <c:v>0.761</c:v>
                 </c:pt>
                 <c:pt idx="58">
-                  <c:v>0.76300000000000001</c:v>
+                  <c:v>0.763</c:v>
                 </c:pt>
                 <c:pt idx="59">
-                  <c:v>0.76600000000000001</c:v>
+                  <c:v>0.766</c:v>
                 </c:pt>
               </c:numCache>
             </c:numRef>
@@ -638,14 +655,14 @@
           <c:showPercent val="0"/>
           <c:showBubbleSize val="0"/>
         </c:dLbls>
-        <c:axId val="126228736"/>
-        <c:axId val="126271872"/>
+        <c:axId val="1316483264"/>
+        <c:axId val="1316315664"/>
       </c:scatterChart>
       <c:valAx>
-        <c:axId val="126228736"/>
+        <c:axId val="1316483264"/>
         <c:scaling>
           <c:orientation val="minMax"/>
-          <c:max val="60"/>
+          <c:max val="60.0"/>
         </c:scaling>
         <c:delete val="0"/>
         <c:axPos val="b"/>
@@ -696,6 +713,23 @@
             </a:ln>
             <a:effectLst/>
           </c:spPr>
+          <c:txPr>
+            <a:bodyPr rot="0" spcFirstLastPara="1" vertOverflow="ellipsis" vert="horz" wrap="square" anchor="ctr" anchorCtr="1"/>
+            <a:lstStyle/>
+            <a:p>
+              <a:pPr>
+                <a:defRPr sz="1330" b="0" i="0" u="none" strike="noStrike" kern="1200" baseline="0">
+                  <a:solidFill>
+                    <a:schemeClr val="bg1"/>
+                  </a:solidFill>
+                  <a:latin typeface="Arial" panose="020B0604020202020204" pitchFamily="34" charset="0"/>
+                  <a:ea typeface="+mn-ea"/>
+                  <a:cs typeface="Arial" panose="020B0604020202020204" pitchFamily="34" charset="0"/>
+                </a:defRPr>
+              </a:pPr>
+              <a:endParaRPr lang="en-US"/>
+            </a:p>
+          </c:txPr>
         </c:title>
         <c:numFmt formatCode="General" sourceLinked="1"/>
         <c:majorTickMark val="none"/>
@@ -731,16 +765,16 @@
             <a:endParaRPr lang="en-US"/>
           </a:p>
         </c:txPr>
-        <c:crossAx val="126271872"/>
+        <c:crossAx val="1316315664"/>
         <c:crosses val="autoZero"/>
         <c:crossBetween val="midCat"/>
-        <c:majorUnit val="6"/>
+        <c:majorUnit val="6.0"/>
       </c:valAx>
       <c:valAx>
-        <c:axId val="126271872"/>
+        <c:axId val="1316315664"/>
         <c:scaling>
           <c:orientation val="minMax"/>
-          <c:max val="1"/>
+          <c:max val="1.0"/>
         </c:scaling>
         <c:delete val="0"/>
         <c:axPos val="l"/>
@@ -791,6 +825,23 @@
             </a:ln>
             <a:effectLst/>
           </c:spPr>
+          <c:txPr>
+            <a:bodyPr rot="-5400000" spcFirstLastPara="1" vertOverflow="ellipsis" vert="horz" wrap="square" anchor="ctr" anchorCtr="1"/>
+            <a:lstStyle/>
+            <a:p>
+              <a:pPr>
+                <a:defRPr sz="1330" b="0" i="0" u="none" strike="noStrike" kern="1200" baseline="0">
+                  <a:solidFill>
+                    <a:schemeClr val="bg1"/>
+                  </a:solidFill>
+                  <a:latin typeface="Arial" panose="020B0604020202020204" pitchFamily="34" charset="0"/>
+                  <a:ea typeface="+mn-ea"/>
+                  <a:cs typeface="Arial" panose="020B0604020202020204" pitchFamily="34" charset="0"/>
+                </a:defRPr>
+              </a:pPr>
+              <a:endParaRPr lang="en-US"/>
+            </a:p>
+          </c:txPr>
         </c:title>
         <c:numFmt formatCode="0%" sourceLinked="0"/>
         <c:majorTickMark val="none"/>
@@ -826,7 +877,7 @@
             <a:endParaRPr lang="en-US"/>
           </a:p>
         </c:txPr>
-        <c:crossAx val="126228736"/>
+        <c:crossAx val="1316483264"/>
         <c:crosses val="autoZero"/>
         <c:crossBetween val="midCat"/>
         <c:majorUnit val="0.2"/>
@@ -866,7 +917,7 @@
       <a:endParaRPr lang="en-US"/>
     </a:p>
   </c:txPr>
-  <c:externalData r:id="rId1">
+  <c:externalData r:id="rId3">
     <c:autoUpdate val="0"/>
   </c:externalData>
 </c:chartSpace>
@@ -891,8 +942,8 @@
         <c:manualLayout>
           <c:xMode val="edge"/>
           <c:yMode val="edge"/>
-          <c:x val="0.32104695246427528"/>
-          <c:y val="2.5000027121350684E-2"/>
+          <c:x val="0.321046952464275"/>
+          <c:y val="0.0250000271213507"/>
         </c:manualLayout>
       </c:layout>
       <c:overlay val="0"/>
@@ -904,10 +955,10 @@
           <c:layoutTarget val="inner"/>
           <c:xMode val="edge"/>
           <c:yMode val="edge"/>
-          <c:x val="6.354712071247505E-2"/>
-          <c:y val="0.1368191437007874"/>
-          <c:w val="0.74721022051730712"/>
-          <c:h val="0.72269482079838743"/>
+          <c:x val="0.063547120712475"/>
+          <c:y val="0.136819143700787"/>
+          <c:w val="0.747210220517307"/>
+          <c:h val="0.722694820798388"/>
         </c:manualLayout>
       </c:layout>
       <c:doughnutChart>
@@ -997,10 +1048,10 @@
                 <c:formatCode>General</c:formatCode>
                 <c:ptCount val="2"/>
                 <c:pt idx="0">
-                  <c:v>0.90774790638628966</c:v>
+                  <c:v>0.90774790638629</c:v>
                 </c:pt>
                 <c:pt idx="1">
-                  <c:v>9.2252093613710354E-2</c:v>
+                  <c:v>0.0922520936137103</c:v>
                 </c:pt>
               </c:numCache>
             </c:numRef>
@@ -1025,10 +1076,10 @@
         <c:manualLayout>
           <c:xMode val="edge"/>
           <c:yMode val="edge"/>
-          <c:x val="0.64641653767638019"/>
-          <c:y val="0.82309480647831434"/>
-          <c:w val="0.19017430513493508"/>
-          <c:h val="0.11839749702478783"/>
+          <c:x val="0.64641653767638"/>
+          <c:y val="0.823094806478315"/>
+          <c:w val="0.190174305134935"/>
+          <c:h val="0.118397497024788"/>
         </c:manualLayout>
       </c:layout>
       <c:overlay val="0"/>
@@ -1088,8 +1139,8 @@
         <c:manualLayout>
           <c:xMode val="edge"/>
           <c:yMode val="edge"/>
-          <c:x val="0.17113960113960114"/>
-          <c:y val="2.1507236849675124E-2"/>
+          <c:x val="0.171139601139601"/>
+          <c:y val="0.0215072368496751"/>
         </c:manualLayout>
       </c:layout>
       <c:overlay val="0"/>
@@ -1101,10 +1152,10 @@
           <c:layoutTarget val="inner"/>
           <c:xMode val="edge"/>
           <c:yMode val="edge"/>
-          <c:x val="3.9886039886039885E-2"/>
-          <c:y val="0.1288734334487498"/>
-          <c:w val="0.7394883011418445"/>
-          <c:h val="0.68836258921896598"/>
+          <c:x val="0.0398860398860399"/>
+          <c:y val="0.12887343344875"/>
+          <c:w val="0.739488301141844"/>
+          <c:h val="0.688362589218966"/>
         </c:manualLayout>
       </c:layout>
       <c:doughnutChart>
@@ -1169,8 +1220,8 @@
               <c:idx val="3"/>
               <c:layout>
                 <c:manualLayout>
-                  <c:x val="1.9943019943019943E-2"/>
-                  <c:y val="-3.4476421969687476E-2"/>
+                  <c:x val="0.0199430199430199"/>
+                  <c:y val="-0.0344764219696875"/>
                 </c:manualLayout>
               </c:layout>
               <c:showLegendKey val="0"/>
@@ -1247,16 +1298,16 @@
                 <c:formatCode>General</c:formatCode>
                 <c:ptCount val="4"/>
                 <c:pt idx="0">
-                  <c:v>0.59720715002354674</c:v>
+                  <c:v>0.597207150023547</c:v>
                 </c:pt>
                 <c:pt idx="1">
-                  <c:v>0.10826730004026837</c:v>
+                  <c:v>0.108267300040268</c:v>
                 </c:pt>
                 <c:pt idx="2">
-                  <c:v>0.29047823802016148</c:v>
+                  <c:v>0.290478238020161</c:v>
                 </c:pt>
                 <c:pt idx="3">
-                  <c:v>4.0473119160233965E-3</c:v>
+                  <c:v>0.0040473119160234</c:v>
                 </c:pt>
               </c:numCache>
             </c:numRef>
@@ -1281,10 +1332,10 @@
         <c:manualLayout>
           <c:xMode val="edge"/>
           <c:yMode val="edge"/>
-          <c:x val="0.62647351773336024"/>
-          <c:y val="0.76999068656317471"/>
-          <c:w val="0.35361576597797068"/>
-          <c:h val="0.22755561023622048"/>
+          <c:x val="0.62647351773336"/>
+          <c:y val="0.769990686563175"/>
+          <c:w val="0.353615765977971"/>
+          <c:h val="0.22755561023622"/>
         </c:manualLayout>
       </c:layout>
       <c:overlay val="0"/>
@@ -1429,31 +1480,31 @@
                 <c:formatCode>General</c:formatCode>
                 <c:ptCount val="9"/>
                 <c:pt idx="0">
-                  <c:v>2005</c:v>
+                  <c:v>2005.0</c:v>
                 </c:pt>
                 <c:pt idx="1">
-                  <c:v>2006</c:v>
+                  <c:v>2006.0</c:v>
                 </c:pt>
                 <c:pt idx="2">
-                  <c:v>2007</c:v>
+                  <c:v>2007.0</c:v>
                 </c:pt>
                 <c:pt idx="3">
-                  <c:v>2008</c:v>
+                  <c:v>2008.0</c:v>
                 </c:pt>
                 <c:pt idx="4">
-                  <c:v>2009</c:v>
+                  <c:v>2009.0</c:v>
                 </c:pt>
                 <c:pt idx="5">
-                  <c:v>2010</c:v>
+                  <c:v>2010.0</c:v>
                 </c:pt>
                 <c:pt idx="6">
-                  <c:v>2011</c:v>
+                  <c:v>2011.0</c:v>
                 </c:pt>
                 <c:pt idx="7">
-                  <c:v>2012</c:v>
+                  <c:v>2012.0</c:v>
                 </c:pt>
                 <c:pt idx="8">
-                  <c:v>2013</c:v>
+                  <c:v>2013.0</c:v>
                 </c:pt>
               </c:numCache>
             </c:numRef>
@@ -1465,31 +1516,31 @@
                 <c:formatCode>General</c:formatCode>
                 <c:ptCount val="9"/>
                 <c:pt idx="0">
-                  <c:v>37894</c:v>
+                  <c:v>37894.0</c:v>
                 </c:pt>
                 <c:pt idx="1">
-                  <c:v>36764</c:v>
+                  <c:v>36764.0</c:v>
                 </c:pt>
                 <c:pt idx="2">
-                  <c:v>34878</c:v>
+                  <c:v>34878.0</c:v>
                 </c:pt>
                 <c:pt idx="3">
-                  <c:v>34302</c:v>
+                  <c:v>34302.0</c:v>
                 </c:pt>
                 <c:pt idx="4">
-                  <c:v>35462</c:v>
+                  <c:v>35462.0</c:v>
                 </c:pt>
                 <c:pt idx="5">
-                  <c:v>28872</c:v>
+                  <c:v>28872.0</c:v>
                 </c:pt>
                 <c:pt idx="6">
-                  <c:v>28293</c:v>
+                  <c:v>28293.0</c:v>
                 </c:pt>
                 <c:pt idx="7">
-                  <c:v>27705</c:v>
+                  <c:v>27705.0</c:v>
                 </c:pt>
                 <c:pt idx="8">
-                  <c:v>28864</c:v>
+                  <c:v>28864.0</c:v>
                 </c:pt>
               </c:numCache>
             </c:numRef>
@@ -1504,11 +1555,11 @@
           <c:showBubbleSize val="0"/>
         </c:dLbls>
         <c:gapWidth val="50"/>
-        <c:axId val="136237824"/>
-        <c:axId val="136239360"/>
+        <c:axId val="1316677056"/>
+        <c:axId val="1313358528"/>
       </c:barChart>
       <c:catAx>
-        <c:axId val="136237824"/>
+        <c:axId val="1316677056"/>
         <c:scaling>
           <c:orientation val="minMax"/>
         </c:scaling>
@@ -1528,7 +1579,7 @@
             <a:endParaRPr lang="en-US"/>
           </a:p>
         </c:txPr>
-        <c:crossAx val="136239360"/>
+        <c:crossAx val="1313358528"/>
         <c:crosses val="autoZero"/>
         <c:auto val="1"/>
         <c:lblAlgn val="ctr"/>
@@ -1536,7 +1587,7 @@
         <c:noMultiLvlLbl val="0"/>
       </c:catAx>
       <c:valAx>
-        <c:axId val="136239360"/>
+        <c:axId val="1313358528"/>
         <c:scaling>
           <c:orientation val="minMax"/>
         </c:scaling>
@@ -1557,10 +1608,10 @@
             <a:endParaRPr lang="en-US"/>
           </a:p>
         </c:txPr>
-        <c:crossAx val="136237824"/>
+        <c:crossAx val="1316677056"/>
         <c:crosses val="autoZero"/>
         <c:crossBetween val="between"/>
-        <c:majorUnit val="10000"/>
+        <c:majorUnit val="10000.0"/>
       </c:valAx>
     </c:plotArea>
     <c:plotVisOnly val="1"/>
@@ -1652,8 +1703,8 @@
         <c:manualLayout>
           <c:xMode val="edge"/>
           <c:yMode val="edge"/>
-          <c:x val="0.20334233079519487"/>
-          <c:y val="0"/>
+          <c:x val="0.203342330795195"/>
+          <c:y val="0.0"/>
         </c:manualLayout>
       </c:layout>
       <c:overlay val="0"/>
@@ -1665,10 +1716,10 @@
           <c:layoutTarget val="inner"/>
           <c:xMode val="edge"/>
           <c:yMode val="edge"/>
-          <c:x val="0.23365039323126788"/>
-          <c:y val="0.13414599412011796"/>
-          <c:w val="0.50218097474683687"/>
-          <c:h val="0.85522096878333898"/>
+          <c:x val="0.233650393231268"/>
+          <c:y val="0.134145994120118"/>
+          <c:w val="0.502180974746837"/>
+          <c:h val="0.855220968783339"/>
         </c:manualLayout>
       </c:layout>
       <c:doughnutChart>
@@ -1840,22 +1891,22 @@
                 <c:formatCode>General</c:formatCode>
                 <c:ptCount val="6"/>
                 <c:pt idx="0">
-                  <c:v>0.33584839984438664</c:v>
+                  <c:v>0.335848399844387</c:v>
                 </c:pt>
                 <c:pt idx="1">
-                  <c:v>0.30075349618133052</c:v>
+                  <c:v>0.30075349618133</c:v>
                 </c:pt>
                 <c:pt idx="2">
-                  <c:v>0.25991864425288536</c:v>
+                  <c:v>0.259918644252885</c:v>
                 </c:pt>
                 <c:pt idx="3">
-                  <c:v>9.0262563388548767E-2</c:v>
+                  <c:v>0.0902625633885487</c:v>
                 </c:pt>
                 <c:pt idx="4">
-                  <c:v>8.9409420067295946E-3</c:v>
+                  <c:v>0.00894094200672959</c:v>
                 </c:pt>
                 <c:pt idx="5">
-                  <c:v>4.2759543261191536E-3</c:v>
+                  <c:v>0.00427595432611915</c:v>
                 </c:pt>
               </c:numCache>
             </c:numRef>
@@ -1880,10 +1931,10 @@
         <c:manualLayout>
           <c:xMode val="edge"/>
           <c:yMode val="edge"/>
-          <c:x val="0.75707985503099118"/>
-          <c:y val="0.21921410346376585"/>
-          <c:w val="0.17434945084842904"/>
-          <c:h val="0.71926310621846079"/>
+          <c:x val="0.757079855030991"/>
+          <c:y val="0.219214103463766"/>
+          <c:w val="0.174349450848429"/>
+          <c:h val="0.719263106218461"/>
         </c:manualLayout>
       </c:layout>
       <c:overlay val="0"/>
@@ -1941,8 +1992,8 @@
         <c:manualLayout>
           <c:xMode val="edge"/>
           <c:yMode val="edge"/>
-          <c:x val="7.7663817663817677E-2"/>
-          <c:y val="2.5000027121350684E-2"/>
+          <c:x val="0.0776638176638177"/>
+          <c:y val="0.0250000271213507"/>
         </c:manualLayout>
       </c:layout>
       <c:overlay val="0"/>
@@ -1954,10 +2005,10 @@
           <c:layoutTarget val="inner"/>
           <c:xMode val="edge"/>
           <c:yMode val="edge"/>
-          <c:x val="6.9245126410480737E-2"/>
-          <c:y val="0.19468530011944246"/>
-          <c:w val="0.73296520627229289"/>
-          <c:h val="0.70891717464956505"/>
+          <c:x val="0.0692451264104807"/>
+          <c:y val="0.194685300119442"/>
+          <c:w val="0.732965206272293"/>
+          <c:h val="0.708917174649565"/>
         </c:manualLayout>
       </c:layout>
       <c:doughnutChart>
@@ -2047,10 +2098,10 @@
                 <c:formatCode>General</c:formatCode>
                 <c:ptCount val="2"/>
                 <c:pt idx="0">
-                  <c:v>0.39939051441129697</c:v>
+                  <c:v>0.399390514411297</c:v>
                 </c:pt>
                 <c:pt idx="1">
-                  <c:v>0.60060948558870297</c:v>
+                  <c:v>0.600609485588703</c:v>
                 </c:pt>
               </c:numCache>
             </c:numRef>
@@ -2075,10 +2126,10 @@
         <c:manualLayout>
           <c:xMode val="edge"/>
           <c:yMode val="edge"/>
-          <c:x val="0.64641653767638019"/>
-          <c:y val="0.82309480647831434"/>
-          <c:w val="0.34686946183009176"/>
-          <c:h val="0.11288643856525885"/>
+          <c:x val="0.64641653767638"/>
+          <c:y val="0.823094806478315"/>
+          <c:w val="0.346869461830092"/>
+          <c:h val="0.112886438565259"/>
         </c:manualLayout>
       </c:layout>
       <c:overlay val="0"/>
@@ -2158,8 +2209,8 @@
         <c:manualLayout>
           <c:xMode val="edge"/>
           <c:yMode val="edge"/>
-          <c:x val="7.7663817663817677E-2"/>
-          <c:y val="2.5000027121350684E-2"/>
+          <c:x val="0.0776638176638177"/>
+          <c:y val="0.0250000271213507"/>
         </c:manualLayout>
       </c:layout>
       <c:overlay val="0"/>
@@ -2171,10 +2222,10 @@
           <c:layoutTarget val="inner"/>
           <c:xMode val="edge"/>
           <c:yMode val="edge"/>
-          <c:x val="7.7792134957489295E-2"/>
-          <c:y val="0.19468530011944246"/>
-          <c:w val="0.73296520627229289"/>
-          <c:h val="0.70891717464956505"/>
+          <c:x val="0.0777921349574893"/>
+          <c:y val="0.194685300119442"/>
+          <c:w val="0.732965206272293"/>
+          <c:h val="0.708917174649565"/>
         </c:manualLayout>
       </c:layout>
       <c:doughnutChart>
@@ -2264,10 +2315,10 @@
                 <c:formatCode>General</c:formatCode>
                 <c:ptCount val="2"/>
                 <c:pt idx="0">
-                  <c:v>0.21226888347427261</c:v>
+                  <c:v>0.212268883474273</c:v>
                 </c:pt>
                 <c:pt idx="1">
-                  <c:v>0.78773111652572736</c:v>
+                  <c:v>0.787731116525727</c:v>
                 </c:pt>
               </c:numCache>
             </c:numRef>
@@ -2292,10 +2343,10 @@
         <c:manualLayout>
           <c:xMode val="edge"/>
           <c:yMode val="edge"/>
-          <c:x val="0.64641653767638019"/>
-          <c:y val="0.82309480647831434"/>
-          <c:w val="0.34686946183009176"/>
-          <c:h val="0.11288643856525885"/>
+          <c:x val="0.64641653767638"/>
+          <c:y val="0.823094806478315"/>
+          <c:w val="0.346869461830092"/>
+          <c:h val="0.112886438565259"/>
         </c:manualLayout>
       </c:layout>
       <c:overlay val="0"/>
@@ -2403,10 +2454,10 @@
           <c:layoutTarget val="inner"/>
           <c:xMode val="edge"/>
           <c:yMode val="edge"/>
-          <c:x val="0.12361712598425197"/>
-          <c:y val="0.13591061533974919"/>
-          <c:w val="0.85728565179352578"/>
-          <c:h val="0.55947857068358442"/>
+          <c:x val="0.123617125984252"/>
+          <c:y val="0.135910615339749"/>
+          <c:w val="0.857285651793526"/>
+          <c:h val="0.559478570683585"/>
         </c:manualLayout>
       </c:layout>
       <c:lineChart>
@@ -2477,7 +2528,7 @@
                 <c:formatCode>General</c:formatCode>
                 <c:ptCount val="8"/>
                 <c:pt idx="0">
-                  <c:v>26</c:v>
+                  <c:v>26.0</c:v>
                 </c:pt>
                 <c:pt idx="1">
                   <c:v>27.6</c:v>
@@ -2570,13 +2621,13 @@
                 <c:formatCode>General</c:formatCode>
                 <c:ptCount val="8"/>
                 <c:pt idx="0">
-                  <c:v>17</c:v>
+                  <c:v>17.0</c:v>
                 </c:pt>
                 <c:pt idx="1">
                   <c:v>15.3</c:v>
                 </c:pt>
                 <c:pt idx="2">
-                  <c:v>14</c:v>
+                  <c:v>14.0</c:v>
                 </c:pt>
                 <c:pt idx="3">
                   <c:v>13.5</c:v>
@@ -2663,7 +2714,7 @@
                 <c:formatCode>General</c:formatCode>
                 <c:ptCount val="8"/>
                 <c:pt idx="0">
-                  <c:v>17.399999999999999</c:v>
+                  <c:v>17.4</c:v>
                 </c:pt>
                 <c:pt idx="1">
                   <c:v>15.1</c:v>
@@ -2699,13 +2750,12 @@
           <c:showPercent val="0"/>
           <c:showBubbleSize val="0"/>
         </c:dLbls>
-        <c:marker val="1"/>
         <c:smooth val="0"/>
-        <c:axId val="234610688"/>
-        <c:axId val="234612608"/>
+        <c:axId val="1339409088"/>
+        <c:axId val="1339412208"/>
       </c:lineChart>
       <c:catAx>
-        <c:axId val="234610688"/>
+        <c:axId val="1339409088"/>
         <c:scaling>
           <c:orientation val="minMax"/>
         </c:scaling>
@@ -2791,7 +2841,7 @@
             <a:endParaRPr lang="en-US"/>
           </a:p>
         </c:txPr>
-        <c:crossAx val="234612608"/>
+        <c:crossAx val="1339412208"/>
         <c:crosses val="autoZero"/>
         <c:auto val="1"/>
         <c:lblAlgn val="ctr"/>
@@ -2799,7 +2849,7 @@
         <c:noMultiLvlLbl val="0"/>
       </c:catAx>
       <c:valAx>
-        <c:axId val="234612608"/>
+        <c:axId val="1339412208"/>
         <c:scaling>
           <c:orientation val="minMax"/>
         </c:scaling>
@@ -2877,8 +2927,8 @@
             <c:manualLayout>
               <c:xMode val="edge"/>
               <c:yMode val="edge"/>
-              <c:x val="8.6805555555555559E-3"/>
-              <c:y val="0.14453198059613676"/>
+              <c:x val="0.00868055555555556"/>
+              <c:y val="0.144531980596137"/>
             </c:manualLayout>
           </c:layout>
           <c:overlay val="0"/>
@@ -2920,7 +2970,7 @@
             <a:endParaRPr lang="en-US"/>
           </a:p>
         </c:txPr>
-        <c:crossAx val="234610688"/>
+        <c:crossAx val="1339409088"/>
         <c:crosses val="autoZero"/>
         <c:crossBetween val="between"/>
       </c:valAx>
@@ -2938,10 +2988,10 @@
         <c:manualLayout>
           <c:xMode val="edge"/>
           <c:yMode val="edge"/>
-          <c:x val="1.2315726159230106E-2"/>
-          <c:y val="0.81631153207873319"/>
-          <c:w val="0.52571576990376201"/>
-          <c:h val="0.16815234033245843"/>
+          <c:x val="0.0123157261592301"/>
+          <c:y val="0.816311532078733"/>
+          <c:w val="0.525715769903762"/>
+          <c:h val="0.168152340332458"/>
         </c:manualLayout>
       </c:layout>
       <c:overlay val="0"/>
@@ -3635,7 +3685,7 @@
           <a:p>
             <a:fld id="{4965ED40-DBD7-42B6-888F-56453F213577}" type="datetimeFigureOut">
               <a:rPr lang="en-US" smtClean="0"/>
-              <a:t>6/7/2017</a:t>
+              <a:t>2/15/18</a:t>
             </a:fld>
             <a:endParaRPr lang="en-US"/>
           </a:p>
@@ -5334,7 +5384,7 @@
           <a:p>
             <a:fld id="{04AEB5F8-D5AC-47C9-9630-8CBD3306CECB}" type="datetimeFigureOut">
               <a:rPr lang="en-US" smtClean="0"/>
-              <a:t>6/7/2017</a:t>
+              <a:t>2/15/18</a:t>
             </a:fld>
             <a:endParaRPr lang="en-US"/>
           </a:p>
@@ -5355,7 +5405,11 @@
           <a:bodyPr/>
           <a:lstStyle/>
           <a:p>
-            <a:endParaRPr lang="en-US"/>
+            <a:r>
+              <a:rPr lang="en-US" dirty="0" smtClean="0"/>
+              <a:t>Preliminary Draft - Do Not Cite</a:t>
+            </a:r>
+            <a:endParaRPr lang="en-US" dirty="0"/>
           </a:p>
         </p:txBody>
       </p:sp>
@@ -5504,7 +5558,7 @@
           <a:p>
             <a:fld id="{04AEB5F8-D5AC-47C9-9630-8CBD3306CECB}" type="datetimeFigureOut">
               <a:rPr lang="en-US" smtClean="0"/>
-              <a:t>6/7/2017</a:t>
+              <a:t>2/15/18</a:t>
             </a:fld>
             <a:endParaRPr lang="en-US"/>
           </a:p>
@@ -5684,7 +5738,7 @@
           <a:p>
             <a:fld id="{04AEB5F8-D5AC-47C9-9630-8CBD3306CECB}" type="datetimeFigureOut">
               <a:rPr lang="en-US" smtClean="0"/>
-              <a:t>6/7/2017</a:t>
+              <a:t>2/15/18</a:t>
             </a:fld>
             <a:endParaRPr lang="en-US"/>
           </a:p>
@@ -5854,7 +5908,7 @@
           <a:p>
             <a:fld id="{04AEB5F8-D5AC-47C9-9630-8CBD3306CECB}" type="datetimeFigureOut">
               <a:rPr lang="en-US" smtClean="0"/>
-              <a:t>6/7/2017</a:t>
+              <a:t>2/15/18</a:t>
             </a:fld>
             <a:endParaRPr lang="en-US"/>
           </a:p>
@@ -5875,7 +5929,11 @@
           <a:bodyPr/>
           <a:lstStyle/>
           <a:p>
-            <a:endParaRPr lang="en-US"/>
+            <a:r>
+              <a:rPr lang="en-US" dirty="0" smtClean="0"/>
+              <a:t>Preliminary Draft - Do Not Cite</a:t>
+            </a:r>
+            <a:endParaRPr lang="en-US" dirty="0"/>
           </a:p>
         </p:txBody>
       </p:sp>
@@ -6098,7 +6156,7 @@
           <a:p>
             <a:fld id="{04AEB5F8-D5AC-47C9-9630-8CBD3306CECB}" type="datetimeFigureOut">
               <a:rPr lang="en-US" smtClean="0"/>
-              <a:t>6/7/2017</a:t>
+              <a:t>2/15/18</a:t>
             </a:fld>
             <a:endParaRPr lang="en-US"/>
           </a:p>
@@ -6330,7 +6388,7 @@
           <a:p>
             <a:fld id="{04AEB5F8-D5AC-47C9-9630-8CBD3306CECB}" type="datetimeFigureOut">
               <a:rPr lang="en-US" smtClean="0"/>
-              <a:t>6/7/2017</a:t>
+              <a:t>2/15/18</a:t>
             </a:fld>
             <a:endParaRPr lang="en-US"/>
           </a:p>
@@ -6697,7 +6755,7 @@
           <a:p>
             <a:fld id="{04AEB5F8-D5AC-47C9-9630-8CBD3306CECB}" type="datetimeFigureOut">
               <a:rPr lang="en-US" smtClean="0"/>
-              <a:t>6/7/2017</a:t>
+              <a:t>2/15/18</a:t>
             </a:fld>
             <a:endParaRPr lang="en-US"/>
           </a:p>
@@ -6815,7 +6873,7 @@
           <a:p>
             <a:fld id="{04AEB5F8-D5AC-47C9-9630-8CBD3306CECB}" type="datetimeFigureOut">
               <a:rPr lang="en-US" smtClean="0"/>
-              <a:t>6/7/2017</a:t>
+              <a:t>2/15/18</a:t>
             </a:fld>
             <a:endParaRPr lang="en-US"/>
           </a:p>
@@ -6910,7 +6968,7 @@
           <a:p>
             <a:fld id="{04AEB5F8-D5AC-47C9-9630-8CBD3306CECB}" type="datetimeFigureOut">
               <a:rPr lang="en-US" smtClean="0"/>
-              <a:t>6/7/2017</a:t>
+              <a:t>2/15/18</a:t>
             </a:fld>
             <a:endParaRPr lang="en-US"/>
           </a:p>
@@ -7187,7 +7245,7 @@
           <a:p>
             <a:fld id="{04AEB5F8-D5AC-47C9-9630-8CBD3306CECB}" type="datetimeFigureOut">
               <a:rPr lang="en-US" smtClean="0"/>
-              <a:t>6/7/2017</a:t>
+              <a:t>2/15/18</a:t>
             </a:fld>
             <a:endParaRPr lang="en-US"/>
           </a:p>
@@ -7444,7 +7502,7 @@
           <a:p>
             <a:fld id="{04AEB5F8-D5AC-47C9-9630-8CBD3306CECB}" type="datetimeFigureOut">
               <a:rPr lang="en-US" smtClean="0"/>
-              <a:t>6/7/2017</a:t>
+              <a:t>2/15/18</a:t>
             </a:fld>
             <a:endParaRPr lang="en-US"/>
           </a:p>
@@ -7657,7 +7715,7 @@
           <a:p>
             <a:fld id="{04AEB5F8-D5AC-47C9-9630-8CBD3306CECB}" type="datetimeFigureOut">
               <a:rPr lang="en-US" smtClean="0"/>
-              <a:t>6/7/2017</a:t>
+              <a:t>2/15/18</a:t>
             </a:fld>
             <a:endParaRPr lang="en-US"/>
           </a:p>
@@ -7696,7 +7754,11 @@
             </a:lvl1pPr>
           </a:lstStyle>
           <a:p>
-            <a:endParaRPr lang="en-US"/>
+            <a:r>
+              <a:rPr lang="en-US" dirty="0" smtClean="0"/>
+              <a:t>Preliminary Draft - Do Not Cite</a:t>
+            </a:r>
+            <a:endParaRPr lang="en-US" dirty="0"/>
           </a:p>
         </p:txBody>
       </p:sp>
@@ -8258,6 +8320,39 @@
           </a:p>
         </p:txBody>
       </p:sp>
+      <p:sp>
+        <p:nvSpPr>
+          <p:cNvPr id="4" name="TextBox 3"/>
+          <p:cNvSpPr txBox="1"/>
+          <p:nvPr/>
+        </p:nvSpPr>
+        <p:spPr>
+          <a:xfrm>
+            <a:off x="3496627" y="6529884"/>
+            <a:ext cx="1773242" cy="246221"/>
+          </a:xfrm>
+          <a:prstGeom prst="rect">
+            <a:avLst/>
+          </a:prstGeom>
+          <a:noFill/>
+        </p:spPr>
+        <p:txBody>
+          <a:bodyPr wrap="none" rtlCol="0">
+            <a:spAutoFit/>
+          </a:bodyPr>
+          <a:lstStyle/>
+          <a:p>
+            <a:r>
+              <a:rPr lang="en-US" sz="1000" dirty="0">
+                <a:solidFill>
+                  <a:schemeClr val="bg1"/>
+                </a:solidFill>
+              </a:rPr>
+              <a:t>Preliminary Draft - Do Not Cite</a:t>
+            </a:r>
+          </a:p>
+        </p:txBody>
+      </p:sp>
     </p:spTree>
     <p:extLst>
       <p:ext uri="{BB962C8B-B14F-4D97-AF65-F5344CB8AC3E}">
@@ -8834,6 +8929,39 @@
               <a:latin typeface="Arial" panose="020B0604020202020204" pitchFamily="34" charset="0"/>
               <a:cs typeface="Arial" panose="020B0604020202020204" pitchFamily="34" charset="0"/>
             </a:endParaRPr>
+          </a:p>
+        </p:txBody>
+      </p:sp>
+      <p:sp>
+        <p:nvSpPr>
+          <p:cNvPr id="9" name="TextBox 8"/>
+          <p:cNvSpPr txBox="1"/>
+          <p:nvPr/>
+        </p:nvSpPr>
+        <p:spPr>
+          <a:xfrm>
+            <a:off x="3496627" y="6529884"/>
+            <a:ext cx="1773242" cy="246221"/>
+          </a:xfrm>
+          <a:prstGeom prst="rect">
+            <a:avLst/>
+          </a:prstGeom>
+          <a:noFill/>
+        </p:spPr>
+        <p:txBody>
+          <a:bodyPr wrap="none" rtlCol="0">
+            <a:spAutoFit/>
+          </a:bodyPr>
+          <a:lstStyle/>
+          <a:p>
+            <a:r>
+              <a:rPr lang="en-US" sz="1000" dirty="0">
+                <a:solidFill>
+                  <a:schemeClr val="bg1"/>
+                </a:solidFill>
+              </a:rPr>
+              <a:t>Preliminary Draft - Do Not Cite</a:t>
+            </a:r>
           </a:p>
         </p:txBody>
       </p:sp>
@@ -9148,6 +9276,39 @@
           </a:graphicData>
         </a:graphic>
       </p:graphicFrame>
+      <p:sp>
+        <p:nvSpPr>
+          <p:cNvPr id="7" name="TextBox 6"/>
+          <p:cNvSpPr txBox="1"/>
+          <p:nvPr/>
+        </p:nvSpPr>
+        <p:spPr>
+          <a:xfrm>
+            <a:off x="3496627" y="6529884"/>
+            <a:ext cx="1773242" cy="246221"/>
+          </a:xfrm>
+          <a:prstGeom prst="rect">
+            <a:avLst/>
+          </a:prstGeom>
+          <a:noFill/>
+        </p:spPr>
+        <p:txBody>
+          <a:bodyPr wrap="none" rtlCol="0">
+            <a:spAutoFit/>
+          </a:bodyPr>
+          <a:lstStyle/>
+          <a:p>
+            <a:r>
+              <a:rPr lang="en-US" sz="1000" dirty="0">
+                <a:solidFill>
+                  <a:schemeClr val="bg1"/>
+                </a:solidFill>
+              </a:rPr>
+              <a:t>Preliminary Draft - Do Not Cite</a:t>
+            </a:r>
+          </a:p>
+        </p:txBody>
+      </p:sp>
     </p:spTree>
     <p:extLst>
       <p:ext uri="{BB962C8B-B14F-4D97-AF65-F5344CB8AC3E}">
@@ -9437,6 +9598,39 @@
           </a:graphicData>
         </a:graphic>
       </p:graphicFrame>
+      <p:sp>
+        <p:nvSpPr>
+          <p:cNvPr id="6" name="TextBox 5"/>
+          <p:cNvSpPr txBox="1"/>
+          <p:nvPr/>
+        </p:nvSpPr>
+        <p:spPr>
+          <a:xfrm>
+            <a:off x="3496627" y="6529884"/>
+            <a:ext cx="1773242" cy="246221"/>
+          </a:xfrm>
+          <a:prstGeom prst="rect">
+            <a:avLst/>
+          </a:prstGeom>
+          <a:noFill/>
+        </p:spPr>
+        <p:txBody>
+          <a:bodyPr wrap="none" rtlCol="0">
+            <a:spAutoFit/>
+          </a:bodyPr>
+          <a:lstStyle/>
+          <a:p>
+            <a:r>
+              <a:rPr lang="en-US" sz="1000" dirty="0">
+                <a:solidFill>
+                  <a:schemeClr val="bg1"/>
+                </a:solidFill>
+              </a:rPr>
+              <a:t>Preliminary Draft - Do Not Cite</a:t>
+            </a:r>
+          </a:p>
+        </p:txBody>
+      </p:sp>
     </p:spTree>
     <p:extLst>
       <p:ext uri="{BB962C8B-B14F-4D97-AF65-F5344CB8AC3E}">
@@ -9853,6 +10047,39 @@
           </a:p>
         </p:txBody>
       </p:sp>
+      <p:sp>
+        <p:nvSpPr>
+          <p:cNvPr id="11" name="TextBox 10"/>
+          <p:cNvSpPr txBox="1"/>
+          <p:nvPr/>
+        </p:nvSpPr>
+        <p:spPr>
+          <a:xfrm>
+            <a:off x="3496627" y="6529884"/>
+            <a:ext cx="1773242" cy="246221"/>
+          </a:xfrm>
+          <a:prstGeom prst="rect">
+            <a:avLst/>
+          </a:prstGeom>
+          <a:noFill/>
+        </p:spPr>
+        <p:txBody>
+          <a:bodyPr wrap="none" rtlCol="0">
+            <a:spAutoFit/>
+          </a:bodyPr>
+          <a:lstStyle/>
+          <a:p>
+            <a:r>
+              <a:rPr lang="en-US" sz="1000" dirty="0">
+                <a:solidFill>
+                  <a:schemeClr val="bg1"/>
+                </a:solidFill>
+              </a:rPr>
+              <a:t>Preliminary Draft - Do Not Cite</a:t>
+            </a:r>
+          </a:p>
+        </p:txBody>
+      </p:sp>
     </p:spTree>
     <p:extLst>
       <p:ext uri="{BB962C8B-B14F-4D97-AF65-F5344CB8AC3E}">
@@ -10469,6 +10696,39 @@
                 <a:latin typeface="Arial Black" panose="020B0A04020102020204" pitchFamily="34" charset="0"/>
               </a:rPr>
               <a:t>CHARACTERISTICS</a:t>
+            </a:r>
+          </a:p>
+        </p:txBody>
+      </p:sp>
+      <p:sp>
+        <p:nvSpPr>
+          <p:cNvPr id="6" name="TextBox 5"/>
+          <p:cNvSpPr txBox="1"/>
+          <p:nvPr/>
+        </p:nvSpPr>
+        <p:spPr>
+          <a:xfrm>
+            <a:off x="3496627" y="6529884"/>
+            <a:ext cx="1773242" cy="246221"/>
+          </a:xfrm>
+          <a:prstGeom prst="rect">
+            <a:avLst/>
+          </a:prstGeom>
+          <a:noFill/>
+        </p:spPr>
+        <p:txBody>
+          <a:bodyPr wrap="none" rtlCol="0">
+            <a:spAutoFit/>
+          </a:bodyPr>
+          <a:lstStyle/>
+          <a:p>
+            <a:r>
+              <a:rPr lang="en-US" sz="1000" dirty="0">
+                <a:solidFill>
+                  <a:schemeClr val="bg1"/>
+                </a:solidFill>
+              </a:rPr>
+              <a:t>Preliminary Draft - Do Not Cite</a:t>
             </a:r>
           </a:p>
         </p:txBody>
@@ -10784,6 +11044,39 @@
           </a:graphicData>
         </a:graphic>
       </p:graphicFrame>
+      <p:sp>
+        <p:nvSpPr>
+          <p:cNvPr id="7" name="TextBox 6"/>
+          <p:cNvSpPr txBox="1"/>
+          <p:nvPr/>
+        </p:nvSpPr>
+        <p:spPr>
+          <a:xfrm>
+            <a:off x="3496627" y="6529884"/>
+            <a:ext cx="1773242" cy="246221"/>
+          </a:xfrm>
+          <a:prstGeom prst="rect">
+            <a:avLst/>
+          </a:prstGeom>
+          <a:noFill/>
+        </p:spPr>
+        <p:txBody>
+          <a:bodyPr wrap="none" rtlCol="0">
+            <a:spAutoFit/>
+          </a:bodyPr>
+          <a:lstStyle/>
+          <a:p>
+            <a:r>
+              <a:rPr lang="en-US" sz="1000" dirty="0">
+                <a:solidFill>
+                  <a:schemeClr val="bg1"/>
+                </a:solidFill>
+              </a:rPr>
+              <a:t>Preliminary Draft - Do Not Cite</a:t>
+            </a:r>
+          </a:p>
+        </p:txBody>
+      </p:sp>
     </p:spTree>
     <p:extLst>
       <p:ext uri="{BB962C8B-B14F-4D97-AF65-F5344CB8AC3E}">
@@ -11513,6 +11806,39 @@
               <a:latin typeface="Arial" panose="020B0604020202020204" pitchFamily="34" charset="0"/>
               <a:cs typeface="Arial" panose="020B0604020202020204" pitchFamily="34" charset="0"/>
             </a:endParaRPr>
+          </a:p>
+        </p:txBody>
+      </p:sp>
+      <p:sp>
+        <p:nvSpPr>
+          <p:cNvPr id="10" name="TextBox 9"/>
+          <p:cNvSpPr txBox="1"/>
+          <p:nvPr/>
+        </p:nvSpPr>
+        <p:spPr>
+          <a:xfrm>
+            <a:off x="3496627" y="6529884"/>
+            <a:ext cx="1773242" cy="246221"/>
+          </a:xfrm>
+          <a:prstGeom prst="rect">
+            <a:avLst/>
+          </a:prstGeom>
+          <a:noFill/>
+        </p:spPr>
+        <p:txBody>
+          <a:bodyPr wrap="none" rtlCol="0">
+            <a:spAutoFit/>
+          </a:bodyPr>
+          <a:lstStyle/>
+          <a:p>
+            <a:r>
+              <a:rPr lang="en-US" sz="1000" dirty="0">
+                <a:solidFill>
+                  <a:schemeClr val="bg1"/>
+                </a:solidFill>
+              </a:rPr>
+              <a:t>Preliminary Draft - Do Not Cite</a:t>
+            </a:r>
           </a:p>
         </p:txBody>
       </p:sp>
@@ -12298,6 +12624,39 @@
           </a:p>
         </p:txBody>
       </p:sp>
+      <p:sp>
+        <p:nvSpPr>
+          <p:cNvPr id="10" name="TextBox 9"/>
+          <p:cNvSpPr txBox="1"/>
+          <p:nvPr/>
+        </p:nvSpPr>
+        <p:spPr>
+          <a:xfrm>
+            <a:off x="3496627" y="6529884"/>
+            <a:ext cx="1773242" cy="246221"/>
+          </a:xfrm>
+          <a:prstGeom prst="rect">
+            <a:avLst/>
+          </a:prstGeom>
+          <a:noFill/>
+        </p:spPr>
+        <p:txBody>
+          <a:bodyPr wrap="none" rtlCol="0">
+            <a:spAutoFit/>
+          </a:bodyPr>
+          <a:lstStyle/>
+          <a:p>
+            <a:r>
+              <a:rPr lang="en-US" sz="1000" dirty="0">
+                <a:solidFill>
+                  <a:schemeClr val="bg1"/>
+                </a:solidFill>
+              </a:rPr>
+              <a:t>Preliminary Draft - Do Not Cite</a:t>
+            </a:r>
+          </a:p>
+        </p:txBody>
+      </p:sp>
     </p:spTree>
     <p:extLst>
       <p:ext uri="{BB962C8B-B14F-4D97-AF65-F5344CB8AC3E}">
@@ -12853,6 +13212,39 @@
               <a:latin typeface="Arial" panose="020B0604020202020204" pitchFamily="34" charset="0"/>
               <a:cs typeface="Arial" panose="020B0604020202020204" pitchFamily="34" charset="0"/>
             </a:endParaRPr>
+          </a:p>
+        </p:txBody>
+      </p:sp>
+      <p:sp>
+        <p:nvSpPr>
+          <p:cNvPr id="9" name="TextBox 8"/>
+          <p:cNvSpPr txBox="1"/>
+          <p:nvPr/>
+        </p:nvSpPr>
+        <p:spPr>
+          <a:xfrm>
+            <a:off x="3496627" y="6529884"/>
+            <a:ext cx="1773242" cy="246221"/>
+          </a:xfrm>
+          <a:prstGeom prst="rect">
+            <a:avLst/>
+          </a:prstGeom>
+          <a:noFill/>
+        </p:spPr>
+        <p:txBody>
+          <a:bodyPr wrap="none" rtlCol="0">
+            <a:spAutoFit/>
+          </a:bodyPr>
+          <a:lstStyle/>
+          <a:p>
+            <a:r>
+              <a:rPr lang="en-US" sz="1000" dirty="0">
+                <a:solidFill>
+                  <a:schemeClr val="bg1"/>
+                </a:solidFill>
+              </a:rPr>
+              <a:t>Preliminary Draft - Do Not Cite</a:t>
+            </a:r>
           </a:p>
         </p:txBody>
       </p:sp>
@@ -13776,6 +14168,39 @@
               <a:latin typeface="Arial" panose="020B0604020202020204" pitchFamily="34" charset="0"/>
               <a:cs typeface="Arial" panose="020B0604020202020204" pitchFamily="34" charset="0"/>
             </a:endParaRPr>
+          </a:p>
+        </p:txBody>
+      </p:sp>
+      <p:sp>
+        <p:nvSpPr>
+          <p:cNvPr id="10" name="TextBox 9"/>
+          <p:cNvSpPr txBox="1"/>
+          <p:nvPr/>
+        </p:nvSpPr>
+        <p:spPr>
+          <a:xfrm>
+            <a:off x="3496627" y="6529884"/>
+            <a:ext cx="1773242" cy="246221"/>
+          </a:xfrm>
+          <a:prstGeom prst="rect">
+            <a:avLst/>
+          </a:prstGeom>
+          <a:noFill/>
+        </p:spPr>
+        <p:txBody>
+          <a:bodyPr wrap="none" rtlCol="0">
+            <a:spAutoFit/>
+          </a:bodyPr>
+          <a:lstStyle/>
+          <a:p>
+            <a:r>
+              <a:rPr lang="en-US" sz="1000" dirty="0">
+                <a:solidFill>
+                  <a:schemeClr val="bg1"/>
+                </a:solidFill>
+              </a:rPr>
+              <a:t>Preliminary Draft - Do Not Cite</a:t>
+            </a:r>
           </a:p>
         </p:txBody>
       </p:sp>
@@ -14602,6 +15027,39 @@
           </a:p>
         </p:txBody>
       </p:sp>
+      <p:sp>
+        <p:nvSpPr>
+          <p:cNvPr id="22" name="TextBox 21"/>
+          <p:cNvSpPr txBox="1"/>
+          <p:nvPr/>
+        </p:nvSpPr>
+        <p:spPr>
+          <a:xfrm>
+            <a:off x="3496627" y="6529884"/>
+            <a:ext cx="1773242" cy="246221"/>
+          </a:xfrm>
+          <a:prstGeom prst="rect">
+            <a:avLst/>
+          </a:prstGeom>
+          <a:noFill/>
+        </p:spPr>
+        <p:txBody>
+          <a:bodyPr wrap="none" rtlCol="0">
+            <a:spAutoFit/>
+          </a:bodyPr>
+          <a:lstStyle/>
+          <a:p>
+            <a:r>
+              <a:rPr lang="en-US" sz="1000" dirty="0">
+                <a:solidFill>
+                  <a:schemeClr val="bg1"/>
+                </a:solidFill>
+              </a:rPr>
+              <a:t>Preliminary Draft - Do Not Cite</a:t>
+            </a:r>
+          </a:p>
+        </p:txBody>
+      </p:sp>
     </p:spTree>
     <p:extLst>
       <p:ext uri="{BB962C8B-B14F-4D97-AF65-F5344CB8AC3E}">
@@ -15180,6 +15638,39 @@
               <a:latin typeface="Arial" panose="020B0604020202020204" pitchFamily="34" charset="0"/>
               <a:cs typeface="Arial" panose="020B0604020202020204" pitchFamily="34" charset="0"/>
             </a:endParaRPr>
+          </a:p>
+        </p:txBody>
+      </p:sp>
+      <p:sp>
+        <p:nvSpPr>
+          <p:cNvPr id="9" name="TextBox 8"/>
+          <p:cNvSpPr txBox="1"/>
+          <p:nvPr/>
+        </p:nvSpPr>
+        <p:spPr>
+          <a:xfrm>
+            <a:off x="3496627" y="6529884"/>
+            <a:ext cx="1773242" cy="246221"/>
+          </a:xfrm>
+          <a:prstGeom prst="rect">
+            <a:avLst/>
+          </a:prstGeom>
+          <a:noFill/>
+        </p:spPr>
+        <p:txBody>
+          <a:bodyPr wrap="none" rtlCol="0">
+            <a:spAutoFit/>
+          </a:bodyPr>
+          <a:lstStyle/>
+          <a:p>
+            <a:r>
+              <a:rPr lang="en-US" sz="1000" dirty="0">
+                <a:solidFill>
+                  <a:schemeClr val="bg1"/>
+                </a:solidFill>
+              </a:rPr>
+              <a:t>Preliminary Draft - Do Not Cite</a:t>
+            </a:r>
           </a:p>
         </p:txBody>
       </p:sp>
@@ -15764,6 +16255,39 @@
           </a:p>
         </p:txBody>
       </p:sp>
+      <p:sp>
+        <p:nvSpPr>
+          <p:cNvPr id="9" name="TextBox 8"/>
+          <p:cNvSpPr txBox="1"/>
+          <p:nvPr/>
+        </p:nvSpPr>
+        <p:spPr>
+          <a:xfrm>
+            <a:off x="3496627" y="6529884"/>
+            <a:ext cx="1773242" cy="246221"/>
+          </a:xfrm>
+          <a:prstGeom prst="rect">
+            <a:avLst/>
+          </a:prstGeom>
+          <a:noFill/>
+        </p:spPr>
+        <p:txBody>
+          <a:bodyPr wrap="none" rtlCol="0">
+            <a:spAutoFit/>
+          </a:bodyPr>
+          <a:lstStyle/>
+          <a:p>
+            <a:r>
+              <a:rPr lang="en-US" sz="1000" dirty="0">
+                <a:solidFill>
+                  <a:schemeClr val="bg1"/>
+                </a:solidFill>
+              </a:rPr>
+              <a:t>Preliminary Draft - Do Not Cite</a:t>
+            </a:r>
+          </a:p>
+        </p:txBody>
+      </p:sp>
     </p:spTree>
     <p:extLst>
       <p:ext uri="{BB962C8B-B14F-4D97-AF65-F5344CB8AC3E}">
@@ -16372,6 +16896,39 @@
               <a:latin typeface="Arial" panose="020B0604020202020204" pitchFamily="34" charset="0"/>
               <a:cs typeface="Arial" panose="020B0604020202020204" pitchFamily="34" charset="0"/>
             </a:endParaRPr>
+          </a:p>
+        </p:txBody>
+      </p:sp>
+      <p:sp>
+        <p:nvSpPr>
+          <p:cNvPr id="9" name="TextBox 8"/>
+          <p:cNvSpPr txBox="1"/>
+          <p:nvPr/>
+        </p:nvSpPr>
+        <p:spPr>
+          <a:xfrm>
+            <a:off x="3496627" y="6529884"/>
+            <a:ext cx="1773242" cy="246221"/>
+          </a:xfrm>
+          <a:prstGeom prst="rect">
+            <a:avLst/>
+          </a:prstGeom>
+          <a:noFill/>
+        </p:spPr>
+        <p:txBody>
+          <a:bodyPr wrap="none" rtlCol="0">
+            <a:spAutoFit/>
+          </a:bodyPr>
+          <a:lstStyle/>
+          <a:p>
+            <a:r>
+              <a:rPr lang="en-US" sz="1000" dirty="0">
+                <a:solidFill>
+                  <a:schemeClr val="bg1"/>
+                </a:solidFill>
+              </a:rPr>
+              <a:t>Preliminary Draft - Do Not Cite</a:t>
+            </a:r>
           </a:p>
         </p:txBody>
       </p:sp>
@@ -16672,6 +17229,39 @@
           </a:prstGeom>
         </p:spPr>
       </p:pic>
+      <p:sp>
+        <p:nvSpPr>
+          <p:cNvPr id="7" name="TextBox 6"/>
+          <p:cNvSpPr txBox="1"/>
+          <p:nvPr/>
+        </p:nvSpPr>
+        <p:spPr>
+          <a:xfrm>
+            <a:off x="3496627" y="6529884"/>
+            <a:ext cx="1773242" cy="246221"/>
+          </a:xfrm>
+          <a:prstGeom prst="rect">
+            <a:avLst/>
+          </a:prstGeom>
+          <a:noFill/>
+        </p:spPr>
+        <p:txBody>
+          <a:bodyPr wrap="none" rtlCol="0">
+            <a:spAutoFit/>
+          </a:bodyPr>
+          <a:lstStyle/>
+          <a:p>
+            <a:r>
+              <a:rPr lang="en-US" sz="1000" dirty="0">
+                <a:solidFill>
+                  <a:schemeClr val="bg1"/>
+                </a:solidFill>
+              </a:rPr>
+              <a:t>Preliminary Draft - Do Not Cite</a:t>
+            </a:r>
+          </a:p>
+        </p:txBody>
+      </p:sp>
     </p:spTree>
     <p:extLst>
       <p:ext uri="{BB962C8B-B14F-4D97-AF65-F5344CB8AC3E}">
@@ -17324,6 +17914,39 @@
           </a:prstGeom>
         </p:spPr>
       </p:pic>
+      <p:sp>
+        <p:nvSpPr>
+          <p:cNvPr id="10" name="TextBox 9"/>
+          <p:cNvSpPr txBox="1"/>
+          <p:nvPr/>
+        </p:nvSpPr>
+        <p:spPr>
+          <a:xfrm>
+            <a:off x="3496627" y="6529884"/>
+            <a:ext cx="1773242" cy="246221"/>
+          </a:xfrm>
+          <a:prstGeom prst="rect">
+            <a:avLst/>
+          </a:prstGeom>
+          <a:noFill/>
+        </p:spPr>
+        <p:txBody>
+          <a:bodyPr wrap="none" rtlCol="0">
+            <a:spAutoFit/>
+          </a:bodyPr>
+          <a:lstStyle/>
+          <a:p>
+            <a:r>
+              <a:rPr lang="en-US" sz="1000" dirty="0">
+                <a:solidFill>
+                  <a:schemeClr val="bg1"/>
+                </a:solidFill>
+              </a:rPr>
+              <a:t>Preliminary Draft - Do Not Cite</a:t>
+            </a:r>
+          </a:p>
+        </p:txBody>
+      </p:sp>
     </p:spTree>
     <p:extLst>
       <p:ext uri="{BB962C8B-B14F-4D97-AF65-F5344CB8AC3E}">
@@ -18287,6 +18910,39 @@
           </a:prstGeom>
         </p:spPr>
       </p:pic>
+      <p:sp>
+        <p:nvSpPr>
+          <p:cNvPr id="10" name="TextBox 9"/>
+          <p:cNvSpPr txBox="1"/>
+          <p:nvPr/>
+        </p:nvSpPr>
+        <p:spPr>
+          <a:xfrm>
+            <a:off x="3496627" y="6529884"/>
+            <a:ext cx="1773242" cy="246221"/>
+          </a:xfrm>
+          <a:prstGeom prst="rect">
+            <a:avLst/>
+          </a:prstGeom>
+          <a:noFill/>
+        </p:spPr>
+        <p:txBody>
+          <a:bodyPr wrap="none" rtlCol="0">
+            <a:spAutoFit/>
+          </a:bodyPr>
+          <a:lstStyle/>
+          <a:p>
+            <a:r>
+              <a:rPr lang="en-US" sz="1000" dirty="0">
+                <a:solidFill>
+                  <a:schemeClr val="bg1"/>
+                </a:solidFill>
+              </a:rPr>
+              <a:t>Preliminary Draft - Do Not Cite</a:t>
+            </a:r>
+          </a:p>
+        </p:txBody>
+      </p:sp>
     </p:spTree>
     <p:extLst>
       <p:ext uri="{BB962C8B-B14F-4D97-AF65-F5344CB8AC3E}">
@@ -18892,6 +19548,39 @@
               <a:latin typeface="Arial" panose="020B0604020202020204" pitchFamily="34" charset="0"/>
               <a:cs typeface="Arial" panose="020B0604020202020204" pitchFamily="34" charset="0"/>
             </a:endParaRPr>
+          </a:p>
+        </p:txBody>
+      </p:sp>
+      <p:sp>
+        <p:nvSpPr>
+          <p:cNvPr id="9" name="TextBox 8"/>
+          <p:cNvSpPr txBox="1"/>
+          <p:nvPr/>
+        </p:nvSpPr>
+        <p:spPr>
+          <a:xfrm>
+            <a:off x="3496627" y="6529884"/>
+            <a:ext cx="1773242" cy="246221"/>
+          </a:xfrm>
+          <a:prstGeom prst="rect">
+            <a:avLst/>
+          </a:prstGeom>
+          <a:noFill/>
+        </p:spPr>
+        <p:txBody>
+          <a:bodyPr wrap="none" rtlCol="0">
+            <a:spAutoFit/>
+          </a:bodyPr>
+          <a:lstStyle/>
+          <a:p>
+            <a:r>
+              <a:rPr lang="en-US" sz="1000" dirty="0">
+                <a:solidFill>
+                  <a:schemeClr val="bg1"/>
+                </a:solidFill>
+              </a:rPr>
+              <a:t>Preliminary Draft - Do Not Cite</a:t>
+            </a:r>
           </a:p>
         </p:txBody>
       </p:sp>
@@ -19513,6 +20202,39 @@
           </a:p>
         </p:txBody>
       </p:sp>
+      <p:sp>
+        <p:nvSpPr>
+          <p:cNvPr id="6" name="TextBox 5"/>
+          <p:cNvSpPr txBox="1"/>
+          <p:nvPr/>
+        </p:nvSpPr>
+        <p:spPr>
+          <a:xfrm>
+            <a:off x="3496627" y="6529884"/>
+            <a:ext cx="1773242" cy="246221"/>
+          </a:xfrm>
+          <a:prstGeom prst="rect">
+            <a:avLst/>
+          </a:prstGeom>
+          <a:noFill/>
+        </p:spPr>
+        <p:txBody>
+          <a:bodyPr wrap="none" rtlCol="0">
+            <a:spAutoFit/>
+          </a:bodyPr>
+          <a:lstStyle/>
+          <a:p>
+            <a:r>
+              <a:rPr lang="en-US" sz="1000" dirty="0">
+                <a:solidFill>
+                  <a:schemeClr val="bg1"/>
+                </a:solidFill>
+              </a:rPr>
+              <a:t>Preliminary Draft - Do Not Cite</a:t>
+            </a:r>
+          </a:p>
+        </p:txBody>
+      </p:sp>
     </p:spTree>
     <p:extLst>
       <p:ext uri="{BB962C8B-B14F-4D97-AF65-F5344CB8AC3E}">
@@ -20154,6 +20876,39 @@
               <a:latin typeface="Arial" panose="020B0604020202020204" pitchFamily="34" charset="0"/>
               <a:cs typeface="Arial" panose="020B0604020202020204" pitchFamily="34" charset="0"/>
             </a:endParaRPr>
+          </a:p>
+        </p:txBody>
+      </p:sp>
+      <p:sp>
+        <p:nvSpPr>
+          <p:cNvPr id="9" name="TextBox 8"/>
+          <p:cNvSpPr txBox="1"/>
+          <p:nvPr/>
+        </p:nvSpPr>
+        <p:spPr>
+          <a:xfrm>
+            <a:off x="3496627" y="6529884"/>
+            <a:ext cx="1773242" cy="246221"/>
+          </a:xfrm>
+          <a:prstGeom prst="rect">
+            <a:avLst/>
+          </a:prstGeom>
+          <a:noFill/>
+        </p:spPr>
+        <p:txBody>
+          <a:bodyPr wrap="none" rtlCol="0">
+            <a:spAutoFit/>
+          </a:bodyPr>
+          <a:lstStyle/>
+          <a:p>
+            <a:r>
+              <a:rPr lang="en-US" sz="1000" dirty="0">
+                <a:solidFill>
+                  <a:schemeClr val="bg1"/>
+                </a:solidFill>
+              </a:rPr>
+              <a:t>Preliminary Draft - Do Not Cite</a:t>
+            </a:r>
           </a:p>
         </p:txBody>
       </p:sp>
@@ -20772,6 +21527,39 @@
           </a:p>
         </p:txBody>
       </p:sp>
+      <p:sp>
+        <p:nvSpPr>
+          <p:cNvPr id="9" name="TextBox 8"/>
+          <p:cNvSpPr txBox="1"/>
+          <p:nvPr/>
+        </p:nvSpPr>
+        <p:spPr>
+          <a:xfrm>
+            <a:off x="3496627" y="6529884"/>
+            <a:ext cx="1773242" cy="246221"/>
+          </a:xfrm>
+          <a:prstGeom prst="rect">
+            <a:avLst/>
+          </a:prstGeom>
+          <a:noFill/>
+        </p:spPr>
+        <p:txBody>
+          <a:bodyPr wrap="none" rtlCol="0">
+            <a:spAutoFit/>
+          </a:bodyPr>
+          <a:lstStyle/>
+          <a:p>
+            <a:r>
+              <a:rPr lang="en-US" sz="1000" dirty="0">
+                <a:solidFill>
+                  <a:schemeClr val="bg1"/>
+                </a:solidFill>
+              </a:rPr>
+              <a:t>Preliminary Draft - Do Not Cite</a:t>
+            </a:r>
+          </a:p>
+        </p:txBody>
+      </p:sp>
     </p:spTree>
     <p:extLst>
       <p:ext uri="{BB962C8B-B14F-4D97-AF65-F5344CB8AC3E}">
@@ -21352,6 +22140,39 @@
               <a:latin typeface="Arial" panose="020B0604020202020204" pitchFamily="34" charset="0"/>
               <a:cs typeface="Arial" panose="020B0604020202020204" pitchFamily="34" charset="0"/>
             </a:endParaRPr>
+          </a:p>
+        </p:txBody>
+      </p:sp>
+      <p:sp>
+        <p:nvSpPr>
+          <p:cNvPr id="9" name="TextBox 8"/>
+          <p:cNvSpPr txBox="1"/>
+          <p:nvPr/>
+        </p:nvSpPr>
+        <p:spPr>
+          <a:xfrm>
+            <a:off x="3496627" y="6529884"/>
+            <a:ext cx="1773242" cy="246221"/>
+          </a:xfrm>
+          <a:prstGeom prst="rect">
+            <a:avLst/>
+          </a:prstGeom>
+          <a:noFill/>
+        </p:spPr>
+        <p:txBody>
+          <a:bodyPr wrap="none" rtlCol="0">
+            <a:spAutoFit/>
+          </a:bodyPr>
+          <a:lstStyle/>
+          <a:p>
+            <a:r>
+              <a:rPr lang="en-US" sz="1000" dirty="0">
+                <a:solidFill>
+                  <a:schemeClr val="bg1"/>
+                </a:solidFill>
+              </a:rPr>
+              <a:t>Preliminary Draft - Do Not Cite</a:t>
+            </a:r>
           </a:p>
         </p:txBody>
       </p:sp>
@@ -21860,27 +22681,7 @@
                 <a:latin typeface="Arial" panose="020B0604020202020204" pitchFamily="34" charset="0"/>
                 <a:cs typeface="Arial" panose="020B0604020202020204" pitchFamily="34" charset="0"/>
               </a:rPr>
-              <a:t>Source</a:t>
-            </a:r>
-            <a:r>
-              <a:rPr lang="en-US" sz="1100" i="1" dirty="0" smtClean="0">
-                <a:solidFill>
-                  <a:schemeClr val="bg1"/>
-                </a:solidFill>
-                <a:latin typeface="Arial" panose="020B0604020202020204" pitchFamily="34" charset="0"/>
-                <a:cs typeface="Arial" panose="020B0604020202020204" pitchFamily="34" charset="0"/>
-              </a:rPr>
-              <a:t>: </a:t>
-            </a:r>
-            <a:r>
-              <a:rPr lang="en-US" sz="1100" i="1" dirty="0" smtClean="0">
-                <a:solidFill>
-                  <a:schemeClr val="bg1"/>
-                </a:solidFill>
-                <a:latin typeface="Arial" panose="020B0604020202020204" pitchFamily="34" charset="0"/>
-                <a:cs typeface="Arial" panose="020B0604020202020204" pitchFamily="34" charset="0"/>
-              </a:rPr>
-              <a:t>Illinois Dept. of Corrections; Illinois Dept. of Employment Security</a:t>
+              <a:t>Source: Illinois Dept. of Corrections; Illinois Dept. of Employment Security</a:t>
             </a:r>
             <a:endParaRPr lang="en-US" sz="1100" i="1" dirty="0">
               <a:solidFill>
@@ -21889,6 +22690,39 @@
               <a:latin typeface="Arial" panose="020B0604020202020204" pitchFamily="34" charset="0"/>
               <a:cs typeface="Arial" panose="020B0604020202020204" pitchFamily="34" charset="0"/>
             </a:endParaRPr>
+          </a:p>
+        </p:txBody>
+      </p:sp>
+      <p:sp>
+        <p:nvSpPr>
+          <p:cNvPr id="7" name="TextBox 6"/>
+          <p:cNvSpPr txBox="1"/>
+          <p:nvPr/>
+        </p:nvSpPr>
+        <p:spPr>
+          <a:xfrm>
+            <a:off x="3496627" y="6529884"/>
+            <a:ext cx="1773242" cy="246221"/>
+          </a:xfrm>
+          <a:prstGeom prst="rect">
+            <a:avLst/>
+          </a:prstGeom>
+          <a:noFill/>
+        </p:spPr>
+        <p:txBody>
+          <a:bodyPr wrap="none" rtlCol="0">
+            <a:spAutoFit/>
+          </a:bodyPr>
+          <a:lstStyle/>
+          <a:p>
+            <a:r>
+              <a:rPr lang="en-US" sz="1000" dirty="0">
+                <a:solidFill>
+                  <a:schemeClr val="bg1"/>
+                </a:solidFill>
+              </a:rPr>
+              <a:t>Preliminary Draft - Do Not Cite</a:t>
+            </a:r>
           </a:p>
         </p:txBody>
       </p:sp>
@@ -22497,6 +23331,39 @@
           </a:p>
         </p:txBody>
       </p:sp>
+      <p:sp>
+        <p:nvSpPr>
+          <p:cNvPr id="9" name="TextBox 8"/>
+          <p:cNvSpPr txBox="1"/>
+          <p:nvPr/>
+        </p:nvSpPr>
+        <p:spPr>
+          <a:xfrm>
+            <a:off x="3496627" y="6529884"/>
+            <a:ext cx="1773242" cy="246221"/>
+          </a:xfrm>
+          <a:prstGeom prst="rect">
+            <a:avLst/>
+          </a:prstGeom>
+          <a:noFill/>
+        </p:spPr>
+        <p:txBody>
+          <a:bodyPr wrap="none" rtlCol="0">
+            <a:spAutoFit/>
+          </a:bodyPr>
+          <a:lstStyle/>
+          <a:p>
+            <a:r>
+              <a:rPr lang="en-US" sz="1000" dirty="0">
+                <a:solidFill>
+                  <a:schemeClr val="bg1"/>
+                </a:solidFill>
+              </a:rPr>
+              <a:t>Preliminary Draft - Do Not Cite</a:t>
+            </a:r>
+          </a:p>
+        </p:txBody>
+      </p:sp>
     </p:spTree>
     <p:extLst>
       <p:ext uri="{BB962C8B-B14F-4D97-AF65-F5344CB8AC3E}">
@@ -23202,6 +24069,39 @@
               <a:latin typeface="Arial" panose="020B0604020202020204" pitchFamily="34" charset="0"/>
               <a:cs typeface="Arial" panose="020B0604020202020204" pitchFamily="34" charset="0"/>
             </a:endParaRPr>
+          </a:p>
+        </p:txBody>
+      </p:sp>
+      <p:sp>
+        <p:nvSpPr>
+          <p:cNvPr id="10" name="TextBox 9"/>
+          <p:cNvSpPr txBox="1"/>
+          <p:nvPr/>
+        </p:nvSpPr>
+        <p:spPr>
+          <a:xfrm>
+            <a:off x="3496627" y="6529884"/>
+            <a:ext cx="1773242" cy="246221"/>
+          </a:xfrm>
+          <a:prstGeom prst="rect">
+            <a:avLst/>
+          </a:prstGeom>
+          <a:noFill/>
+        </p:spPr>
+        <p:txBody>
+          <a:bodyPr wrap="none" rtlCol="0">
+            <a:spAutoFit/>
+          </a:bodyPr>
+          <a:lstStyle/>
+          <a:p>
+            <a:r>
+              <a:rPr lang="en-US" sz="1000" dirty="0">
+                <a:solidFill>
+                  <a:schemeClr val="bg1"/>
+                </a:solidFill>
+              </a:rPr>
+              <a:t>Preliminary Draft - Do Not Cite</a:t>
+            </a:r>
           </a:p>
         </p:txBody>
       </p:sp>
@@ -23727,6 +24627,39 @@
           </a:p>
         </p:txBody>
       </p:sp>
+      <p:sp>
+        <p:nvSpPr>
+          <p:cNvPr id="6" name="TextBox 5"/>
+          <p:cNvSpPr txBox="1"/>
+          <p:nvPr/>
+        </p:nvSpPr>
+        <p:spPr>
+          <a:xfrm>
+            <a:off x="3496627" y="6529884"/>
+            <a:ext cx="1773242" cy="246221"/>
+          </a:xfrm>
+          <a:prstGeom prst="rect">
+            <a:avLst/>
+          </a:prstGeom>
+          <a:noFill/>
+        </p:spPr>
+        <p:txBody>
+          <a:bodyPr wrap="none" rtlCol="0">
+            <a:spAutoFit/>
+          </a:bodyPr>
+          <a:lstStyle/>
+          <a:p>
+            <a:r>
+              <a:rPr lang="en-US" sz="1000" dirty="0">
+                <a:solidFill>
+                  <a:schemeClr val="bg1"/>
+                </a:solidFill>
+              </a:rPr>
+              <a:t>Preliminary Draft - Do Not Cite</a:t>
+            </a:r>
+          </a:p>
+        </p:txBody>
+      </p:sp>
     </p:spTree>
     <p:extLst>
       <p:ext uri="{BB962C8B-B14F-4D97-AF65-F5344CB8AC3E}">
@@ -24430,6 +25363,39 @@
               <a:latin typeface="Arial" panose="020B0604020202020204" pitchFamily="34" charset="0"/>
               <a:cs typeface="Arial" panose="020B0604020202020204" pitchFamily="34" charset="0"/>
             </a:endParaRPr>
+          </a:p>
+        </p:txBody>
+      </p:sp>
+      <p:sp>
+        <p:nvSpPr>
+          <p:cNvPr id="9" name="TextBox 8"/>
+          <p:cNvSpPr txBox="1"/>
+          <p:nvPr/>
+        </p:nvSpPr>
+        <p:spPr>
+          <a:xfrm>
+            <a:off x="3496627" y="6529884"/>
+            <a:ext cx="1773242" cy="246221"/>
+          </a:xfrm>
+          <a:prstGeom prst="rect">
+            <a:avLst/>
+          </a:prstGeom>
+          <a:noFill/>
+        </p:spPr>
+        <p:txBody>
+          <a:bodyPr wrap="none" rtlCol="0">
+            <a:spAutoFit/>
+          </a:bodyPr>
+          <a:lstStyle/>
+          <a:p>
+            <a:r>
+              <a:rPr lang="en-US" sz="1000" dirty="0">
+                <a:solidFill>
+                  <a:schemeClr val="bg1"/>
+                </a:solidFill>
+              </a:rPr>
+              <a:t>Preliminary Draft - Do Not Cite</a:t>
+            </a:r>
           </a:p>
         </p:txBody>
       </p:sp>
@@ -25071,6 +26037,39 @@
           </a:p>
         </p:txBody>
       </p:sp>
+      <p:sp>
+        <p:nvSpPr>
+          <p:cNvPr id="10" name="TextBox 9"/>
+          <p:cNvSpPr txBox="1"/>
+          <p:nvPr/>
+        </p:nvSpPr>
+        <p:spPr>
+          <a:xfrm>
+            <a:off x="3496627" y="6529884"/>
+            <a:ext cx="1773242" cy="246221"/>
+          </a:xfrm>
+          <a:prstGeom prst="rect">
+            <a:avLst/>
+          </a:prstGeom>
+          <a:noFill/>
+        </p:spPr>
+        <p:txBody>
+          <a:bodyPr wrap="none" rtlCol="0">
+            <a:spAutoFit/>
+          </a:bodyPr>
+          <a:lstStyle/>
+          <a:p>
+            <a:r>
+              <a:rPr lang="en-US" sz="1000" dirty="0">
+                <a:solidFill>
+                  <a:schemeClr val="bg1"/>
+                </a:solidFill>
+              </a:rPr>
+              <a:t>Preliminary Draft - Do Not Cite</a:t>
+            </a:r>
+          </a:p>
+        </p:txBody>
+      </p:sp>
     </p:spTree>
     <p:extLst>
       <p:ext uri="{BB962C8B-B14F-4D97-AF65-F5344CB8AC3E}">
@@ -25758,6 +26757,39 @@
                 <a:cs typeface="Arial" panose="020B0604020202020204" pitchFamily="34" charset="0"/>
               </a:rPr>
               <a:t>“…20 percent to 31 percent of all admissions to prison in Illinois over the past 10 state fiscal years have been for technical MSR violations…”</a:t>
+            </a:r>
+          </a:p>
+        </p:txBody>
+      </p:sp>
+      <p:sp>
+        <p:nvSpPr>
+          <p:cNvPr id="7" name="TextBox 6"/>
+          <p:cNvSpPr txBox="1"/>
+          <p:nvPr/>
+        </p:nvSpPr>
+        <p:spPr>
+          <a:xfrm>
+            <a:off x="3496627" y="6529884"/>
+            <a:ext cx="1773242" cy="246221"/>
+          </a:xfrm>
+          <a:prstGeom prst="rect">
+            <a:avLst/>
+          </a:prstGeom>
+          <a:noFill/>
+        </p:spPr>
+        <p:txBody>
+          <a:bodyPr wrap="none" rtlCol="0">
+            <a:spAutoFit/>
+          </a:bodyPr>
+          <a:lstStyle/>
+          <a:p>
+            <a:r>
+              <a:rPr lang="en-US" sz="1000" dirty="0">
+                <a:solidFill>
+                  <a:schemeClr val="bg1"/>
+                </a:solidFill>
+              </a:rPr>
+              <a:t>Preliminary Draft - Do Not Cite</a:t>
             </a:r>
           </a:p>
         </p:txBody>
@@ -26342,6 +27374,39 @@
           </a:p>
         </p:txBody>
       </p:sp>
+      <p:sp>
+        <p:nvSpPr>
+          <p:cNvPr id="7" name="TextBox 6"/>
+          <p:cNvSpPr txBox="1"/>
+          <p:nvPr/>
+        </p:nvSpPr>
+        <p:spPr>
+          <a:xfrm>
+            <a:off x="3496627" y="6529884"/>
+            <a:ext cx="1773242" cy="246221"/>
+          </a:xfrm>
+          <a:prstGeom prst="rect">
+            <a:avLst/>
+          </a:prstGeom>
+          <a:noFill/>
+        </p:spPr>
+        <p:txBody>
+          <a:bodyPr wrap="none" rtlCol="0">
+            <a:spAutoFit/>
+          </a:bodyPr>
+          <a:lstStyle/>
+          <a:p>
+            <a:r>
+              <a:rPr lang="en-US" sz="1000" dirty="0">
+                <a:solidFill>
+                  <a:schemeClr val="bg1"/>
+                </a:solidFill>
+              </a:rPr>
+              <a:t>Preliminary Draft - Do Not Cite</a:t>
+            </a:r>
+          </a:p>
+        </p:txBody>
+      </p:sp>
     </p:spTree>
     <p:extLst>
       <p:ext uri="{BB962C8B-B14F-4D97-AF65-F5344CB8AC3E}">
@@ -27003,6 +28068,39 @@
               <a:latin typeface="Arial" panose="020B0604020202020204" pitchFamily="34" charset="0"/>
               <a:cs typeface="Arial" panose="020B0604020202020204" pitchFamily="34" charset="0"/>
             </a:endParaRPr>
+          </a:p>
+        </p:txBody>
+      </p:sp>
+      <p:sp>
+        <p:nvSpPr>
+          <p:cNvPr id="9" name="TextBox 8"/>
+          <p:cNvSpPr txBox="1"/>
+          <p:nvPr/>
+        </p:nvSpPr>
+        <p:spPr>
+          <a:xfrm>
+            <a:off x="3496627" y="6529884"/>
+            <a:ext cx="1773242" cy="246221"/>
+          </a:xfrm>
+          <a:prstGeom prst="rect">
+            <a:avLst/>
+          </a:prstGeom>
+          <a:noFill/>
+        </p:spPr>
+        <p:txBody>
+          <a:bodyPr wrap="none" rtlCol="0">
+            <a:spAutoFit/>
+          </a:bodyPr>
+          <a:lstStyle/>
+          <a:p>
+            <a:r>
+              <a:rPr lang="en-US" sz="1000" dirty="0">
+                <a:solidFill>
+                  <a:schemeClr val="bg1"/>
+                </a:solidFill>
+              </a:rPr>
+              <a:t>Preliminary Draft - Do Not Cite</a:t>
+            </a:r>
           </a:p>
         </p:txBody>
       </p:sp>
@@ -27564,6 +28662,39 @@
                 <a:latin typeface="Arial Black" panose="020B0A04020102020204" pitchFamily="34" charset="0"/>
               </a:rPr>
               <a:t>APPROACH</a:t>
+            </a:r>
+          </a:p>
+        </p:txBody>
+      </p:sp>
+      <p:sp>
+        <p:nvSpPr>
+          <p:cNvPr id="6" name="TextBox 5"/>
+          <p:cNvSpPr txBox="1"/>
+          <p:nvPr/>
+        </p:nvSpPr>
+        <p:spPr>
+          <a:xfrm>
+            <a:off x="3496627" y="6529884"/>
+            <a:ext cx="1773242" cy="246221"/>
+          </a:xfrm>
+          <a:prstGeom prst="rect">
+            <a:avLst/>
+          </a:prstGeom>
+          <a:noFill/>
+        </p:spPr>
+        <p:txBody>
+          <a:bodyPr wrap="none" rtlCol="0">
+            <a:spAutoFit/>
+          </a:bodyPr>
+          <a:lstStyle/>
+          <a:p>
+            <a:r>
+              <a:rPr lang="en-US" sz="1000" dirty="0">
+                <a:solidFill>
+                  <a:schemeClr val="bg1"/>
+                </a:solidFill>
+              </a:rPr>
+              <a:t>Preliminary Draft - Do Not Cite</a:t>
             </a:r>
           </a:p>
         </p:txBody>
@@ -27843,7 +28974,7 @@
   <a:extraClrSchemeLst/>
   <a:extLst>
     <a:ext uri="{05A4C25C-085E-4340-85A3-A5531E510DB2}">
-      <thm15:themeFamily xmlns:thm15="http://schemas.microsoft.com/office/thememl/2012/main" xmlns="" name="Office Theme" id="{62F939B6-93AF-4DB8-9C6B-D6C7DFDC589F}" vid="{4A3C46E8-61CC-4603-A589-7422A47A8E4A}"/>
+      <thm15:themeFamily xmlns:thm15="http://schemas.microsoft.com/office/thememl/2012/main" name="Office Theme" id="{62F939B6-93AF-4DB8-9C6B-D6C7DFDC589F}" vid="{4A3C46E8-61CC-4603-A589-7422A47A8E4A}"/>
     </a:ext>
   </a:extLst>
 </a:theme>
@@ -28104,7 +29235,7 @@
   <a:extraClrSchemeLst/>
   <a:extLst>
     <a:ext uri="{05A4C25C-085E-4340-85A3-A5531E510DB2}">
-      <thm15:themeFamily xmlns:thm15="http://schemas.microsoft.com/office/thememl/2012/main" xmlns="" name="Office Theme" id="{62F939B6-93AF-4DB8-9C6B-D6C7DFDC589F}" vid="{4A3C46E8-61CC-4603-A589-7422A47A8E4A}"/>
+      <thm15:themeFamily xmlns:thm15="http://schemas.microsoft.com/office/thememl/2012/main" name="Office Theme" id="{62F939B6-93AF-4DB8-9C6B-D6C7DFDC589F}" vid="{4A3C46E8-61CC-4603-A589-7422A47A8E4A}"/>
     </a:ext>
   </a:extLst>
 </a:theme>
